--- a/ppt/Python_3_조건문.pptx
+++ b/ppt/Python_3_조건문.pptx
@@ -276,7 +276,7 @@
           <a:p>
             <a:fld id="{2852BF72-D75C-414B-A3C4-9346D3E9B5A5}" type="datetimeFigureOut">
               <a:rPr lang="ko-KR" altLang="en-US" smtClean="0"/>
-              <a:t>2017-02-28</a:t>
+              <a:t>2017-03-07</a:t>
             </a:fld>
             <a:endParaRPr lang="ko-KR" altLang="en-US"/>
           </a:p>
@@ -446,7 +446,7 @@
           <a:p>
             <a:fld id="{2852BF72-D75C-414B-A3C4-9346D3E9B5A5}" type="datetimeFigureOut">
               <a:rPr lang="ko-KR" altLang="en-US" smtClean="0"/>
-              <a:t>2017-02-28</a:t>
+              <a:t>2017-03-07</a:t>
             </a:fld>
             <a:endParaRPr lang="ko-KR" altLang="en-US"/>
           </a:p>
@@ -626,7 +626,7 @@
           <a:p>
             <a:fld id="{2852BF72-D75C-414B-A3C4-9346D3E9B5A5}" type="datetimeFigureOut">
               <a:rPr lang="ko-KR" altLang="en-US" smtClean="0"/>
-              <a:t>2017-02-28</a:t>
+              <a:t>2017-03-07</a:t>
             </a:fld>
             <a:endParaRPr lang="ko-KR" altLang="en-US"/>
           </a:p>
@@ -796,7 +796,7 @@
           <a:p>
             <a:fld id="{2852BF72-D75C-414B-A3C4-9346D3E9B5A5}" type="datetimeFigureOut">
               <a:rPr lang="ko-KR" altLang="en-US" smtClean="0"/>
-              <a:t>2017-02-28</a:t>
+              <a:t>2017-03-07</a:t>
             </a:fld>
             <a:endParaRPr lang="ko-KR" altLang="en-US"/>
           </a:p>
@@ -1042,7 +1042,7 @@
           <a:p>
             <a:fld id="{2852BF72-D75C-414B-A3C4-9346D3E9B5A5}" type="datetimeFigureOut">
               <a:rPr lang="ko-KR" altLang="en-US" smtClean="0"/>
-              <a:t>2017-02-28</a:t>
+              <a:t>2017-03-07</a:t>
             </a:fld>
             <a:endParaRPr lang="ko-KR" altLang="en-US"/>
           </a:p>
@@ -1274,7 +1274,7 @@
           <a:p>
             <a:fld id="{2852BF72-D75C-414B-A3C4-9346D3E9B5A5}" type="datetimeFigureOut">
               <a:rPr lang="ko-KR" altLang="en-US" smtClean="0"/>
-              <a:t>2017-02-28</a:t>
+              <a:t>2017-03-07</a:t>
             </a:fld>
             <a:endParaRPr lang="ko-KR" altLang="en-US"/>
           </a:p>
@@ -1641,7 +1641,7 @@
           <a:p>
             <a:fld id="{2852BF72-D75C-414B-A3C4-9346D3E9B5A5}" type="datetimeFigureOut">
               <a:rPr lang="ko-KR" altLang="en-US" smtClean="0"/>
-              <a:t>2017-02-28</a:t>
+              <a:t>2017-03-07</a:t>
             </a:fld>
             <a:endParaRPr lang="ko-KR" altLang="en-US"/>
           </a:p>
@@ -1759,7 +1759,7 @@
           <a:p>
             <a:fld id="{2852BF72-D75C-414B-A3C4-9346D3E9B5A5}" type="datetimeFigureOut">
               <a:rPr lang="ko-KR" altLang="en-US" smtClean="0"/>
-              <a:t>2017-02-28</a:t>
+              <a:t>2017-03-07</a:t>
             </a:fld>
             <a:endParaRPr lang="ko-KR" altLang="en-US"/>
           </a:p>
@@ -1854,7 +1854,7 @@
           <a:p>
             <a:fld id="{2852BF72-D75C-414B-A3C4-9346D3E9B5A5}" type="datetimeFigureOut">
               <a:rPr lang="ko-KR" altLang="en-US" smtClean="0"/>
-              <a:t>2017-02-28</a:t>
+              <a:t>2017-03-07</a:t>
             </a:fld>
             <a:endParaRPr lang="ko-KR" altLang="en-US"/>
           </a:p>
@@ -2131,7 +2131,7 @@
           <a:p>
             <a:fld id="{2852BF72-D75C-414B-A3C4-9346D3E9B5A5}" type="datetimeFigureOut">
               <a:rPr lang="ko-KR" altLang="en-US" smtClean="0"/>
-              <a:t>2017-02-28</a:t>
+              <a:t>2017-03-07</a:t>
             </a:fld>
             <a:endParaRPr lang="ko-KR" altLang="en-US"/>
           </a:p>
@@ -2384,7 +2384,7 @@
           <a:p>
             <a:fld id="{2852BF72-D75C-414B-A3C4-9346D3E9B5A5}" type="datetimeFigureOut">
               <a:rPr lang="ko-KR" altLang="en-US" smtClean="0"/>
-              <a:t>2017-02-28</a:t>
+              <a:t>2017-03-07</a:t>
             </a:fld>
             <a:endParaRPr lang="ko-KR" altLang="en-US"/>
           </a:p>
@@ -2597,7 +2597,7 @@
           <a:p>
             <a:fld id="{2852BF72-D75C-414B-A3C4-9346D3E9B5A5}" type="datetimeFigureOut">
               <a:rPr lang="ko-KR" altLang="en-US" smtClean="0"/>
-              <a:t>2017-02-28</a:t>
+              <a:t>2017-03-07</a:t>
             </a:fld>
             <a:endParaRPr lang="ko-KR" altLang="en-US"/>
           </a:p>
@@ -5488,7 +5488,19 @@
               <a:rPr lang="en-US" altLang="ko-KR" spc="-150" dirty="0" smtClean="0">
                 <a:latin typeface="Consolas" panose="020B0609020204030204" pitchFamily="49" charset="0"/>
               </a:rPr>
-              <a:t> != 0)</a:t>
+              <a:t> != 0</a:t>
+            </a:r>
+            <a:r>
+              <a:rPr lang="en-US" altLang="ko-KR" spc="-150" dirty="0" smtClean="0">
+                <a:latin typeface="Consolas" panose="020B0609020204030204" pitchFamily="49" charset="0"/>
+              </a:rPr>
+              <a:t>):</a:t>
+            </a:r>
+            <a:r>
+              <a:rPr lang="en-US" altLang="ko-KR" spc="-150" dirty="0" smtClean="0">
+                <a:latin typeface="Consolas" panose="020B0609020204030204" pitchFamily="49" charset="0"/>
+              </a:rPr>
+              <a:t/>
             </a:r>
             <a:br>
               <a:rPr lang="en-US" altLang="ko-KR" spc="-150" dirty="0" smtClean="0">
@@ -5555,10 +5567,22 @@
               <a:t>itersLeft</a:t>
             </a:r>
             <a:r>
-              <a:rPr lang="en-US" altLang="ko-KR" spc="-150" dirty="0" smtClean="0">
-                <a:latin typeface="Consolas" panose="020B0609020204030204" pitchFamily="49" charset="0"/>
-              </a:rPr>
-              <a:t> – 1</a:t>
+              <a:rPr lang="en-US" altLang="ko-KR" spc="-150" smtClean="0">
+                <a:latin typeface="Consolas" panose="020B0609020204030204" pitchFamily="49" charset="0"/>
+              </a:rPr>
+              <a:t> </a:t>
+            </a:r>
+            <a:r>
+              <a:rPr lang="en-US" altLang="ko-KR" spc="-150" smtClean="0">
+                <a:latin typeface="Consolas" panose="020B0609020204030204" pitchFamily="49" charset="0"/>
+              </a:rPr>
+              <a:t>- </a:t>
+            </a:r>
+            <a:r>
+              <a:rPr lang="en-US" altLang="ko-KR" spc="-150" dirty="0" smtClean="0">
+                <a:latin typeface="Consolas" panose="020B0609020204030204" pitchFamily="49" charset="0"/>
+              </a:rPr>
+              <a:t>1</a:t>
             </a:r>
             <a:br>
               <a:rPr lang="en-US" altLang="ko-KR" spc="-150" dirty="0" smtClean="0">
@@ -5593,7 +5617,13 @@
               <a:rPr lang="en-US" altLang="ko-KR" spc="-150" dirty="0" smtClean="0">
                 <a:latin typeface="Consolas" panose="020B0609020204030204" pitchFamily="49" charset="0"/>
               </a:rPr>
-              <a:t>(x) + ' = ' </a:t>
+              <a:t>(x) + ' = </a:t>
+            </a:r>
+            <a:r>
+              <a:rPr lang="en-US" altLang="ko-KR" spc="-150" dirty="0" smtClean="0">
+                <a:latin typeface="Consolas" panose="020B0609020204030204" pitchFamily="49" charset="0"/>
+              </a:rPr>
+              <a:t>' + </a:t>
             </a:r>
             <a:r>
               <a:rPr lang="en-US" altLang="ko-KR" spc="-150" dirty="0" err="1" smtClean="0">
@@ -7790,21 +7820,7 @@
                 <a:latin typeface="Consolas" panose="020B0609020204030204" pitchFamily="49" charset="0"/>
                 <a:cs typeface="Consolas" panose="020B0609020204030204" pitchFamily="49" charset="0"/>
               </a:rPr>
-              <a:t>	if </a:t>
-            </a:r>
-            <a:r>
-              <a:rPr lang="en-US" altLang="ko-KR" spc="-150" dirty="0" smtClean="0">
-                <a:latin typeface="Consolas" panose="020B0609020204030204" pitchFamily="49" charset="0"/>
-                <a:cs typeface="Consolas" panose="020B0609020204030204" pitchFamily="49" charset="0"/>
-              </a:rPr>
-              <a:t>x % divisor </a:t>
-            </a:r>
-            <a:r>
-              <a:rPr lang="en-US" altLang="ko-KR" spc="-150" dirty="0" smtClean="0">
-                <a:latin typeface="Consolas" panose="020B0609020204030204" pitchFamily="49" charset="0"/>
-                <a:cs typeface="Consolas" panose="020B0609020204030204" pitchFamily="49" charset="0"/>
-              </a:rPr>
-              <a:t>== 0:</a:t>
+              <a:t>	if x % divisor == 0:</a:t>
             </a:r>
             <a:br>
               <a:rPr lang="en-US" altLang="ko-KR" spc="-150" dirty="0" smtClean="0">
@@ -9427,21 +9443,7 @@
                 <a:latin typeface="Consolas" panose="020B0609020204030204" pitchFamily="49" charset="0"/>
                 <a:cs typeface="Consolas" panose="020B0609020204030204" pitchFamily="49" charset="0"/>
               </a:rPr>
-              <a:t>if </a:t>
-            </a:r>
-            <a:r>
-              <a:rPr lang="en-US" altLang="ko-KR" spc="-150" dirty="0" smtClean="0">
-                <a:latin typeface="Consolas" panose="020B0609020204030204" pitchFamily="49" charset="0"/>
-                <a:cs typeface="Consolas" panose="020B0609020204030204" pitchFamily="49" charset="0"/>
-              </a:rPr>
-              <a:t>&lt;some test&gt;:</a:t>
-            </a:r>
-            <a:r>
-              <a:rPr lang="en-US" altLang="ko-KR" spc="-150" dirty="0" smtClean="0">
-                <a:latin typeface="Consolas" panose="020B0609020204030204" pitchFamily="49" charset="0"/>
-                <a:cs typeface="Consolas" panose="020B0609020204030204" pitchFamily="49" charset="0"/>
-              </a:rPr>
-              <a:t/>
+              <a:t>if &lt;some test&gt;:</a:t>
             </a:r>
             <a:br>
               <a:rPr lang="en-US" altLang="ko-KR" spc="-150" dirty="0" smtClean="0">
